--- a/TPL.pptx
+++ b/TPL.pptx
@@ -15,12 +15,13 @@
     <p:sldId id="274" r:id="rId9"/>
     <p:sldId id="275" r:id="rId10"/>
     <p:sldId id="259" r:id="rId11"/>
-    <p:sldId id="276" r:id="rId12"/>
-    <p:sldId id="277" r:id="rId13"/>
-    <p:sldId id="262" r:id="rId14"/>
-    <p:sldId id="266" r:id="rId15"/>
-    <p:sldId id="268" r:id="rId16"/>
-    <p:sldId id="267" r:id="rId17"/>
+    <p:sldId id="278" r:id="rId12"/>
+    <p:sldId id="276" r:id="rId13"/>
+    <p:sldId id="277" r:id="rId14"/>
+    <p:sldId id="262" r:id="rId15"/>
+    <p:sldId id="266" r:id="rId16"/>
+    <p:sldId id="268" r:id="rId17"/>
+    <p:sldId id="267" r:id="rId18"/>
   </p:sldIdLst>
   <p:sldSz cx="9144000" cy="6858000" type="screen4x3"/>
   <p:notesSz cx="6858000" cy="9144000"/>
@@ -142,6 +143,7 @@
             <p14:sldId id="274"/>
             <p14:sldId id="275"/>
             <p14:sldId id="259"/>
+            <p14:sldId id="278"/>
             <p14:sldId id="276"/>
             <p14:sldId id="277"/>
           </p14:sldIdLst>
@@ -5229,10 +5231,9 @@
               <a:lstStyle/>
               <a:p>
                 <a:r>
-                  <a:rPr lang="en-US" altLang="zh-CN" dirty="0" err="1" smtClean="0"/>
+                  <a:rPr lang="en-US" altLang="zh-CN" dirty="0" smtClean="0"/>
                   <a:t>TplNetForceModelInterface</a:t>
                 </a:r>
-                <a:endParaRPr lang="en-US" altLang="zh-CN" dirty="0" smtClean="0"/>
               </a:p>
               <a:p>
                 <a:pPr lvl="1"/>
@@ -5497,12 +5498,400 @@
                   <a:rPr lang="en-US" altLang="zh-CN" dirty="0" smtClean="0"/>
                   <a:t>()</a:t>
                 </a:r>
+                <a:r>
+                  <a:rPr lang="zh-CN" altLang="en-US" dirty="0" smtClean="0"/>
+                  <a:t> </a:t>
+                </a:r>
+                <a:endParaRPr lang="en-US" altLang="zh-CN" dirty="0" smtClean="0"/>
+              </a:p>
+              <a:p>
+                <a:pPr lvl="2"/>
+                <a:r>
+                  <a:rPr lang="en-US" altLang="zh-CN" dirty="0" smtClean="0">
+                    <a:latin typeface="Cambria Math" charset="0"/>
+                  </a:rPr>
+                  <a:t>iterate</a:t>
+                </a:r>
+                <a:r>
+                  <a:rPr lang="zh-CN" altLang="en-US" dirty="0" smtClean="0">
+                    <a:latin typeface="Cambria Math" charset="0"/>
+                  </a:rPr>
+                  <a:t> </a:t>
+                </a:r>
+                <a:r>
+                  <a:rPr lang="en-US" altLang="zh-CN" dirty="0" smtClean="0">
+                    <a:latin typeface="Cambria Math" charset="0"/>
+                  </a:rPr>
+                  <a:t>over</a:t>
+                </a:r>
+                <a:r>
+                  <a:rPr lang="zh-CN" altLang="en-US" dirty="0" smtClean="0">
+                    <a:latin typeface="Cambria Math" charset="0"/>
+                  </a:rPr>
+                  <a:t> </a:t>
+                </a:r>
+                <a:r>
+                  <a:rPr lang="en-US" altLang="zh-CN" dirty="0" err="1" smtClean="0">
+                    <a:latin typeface="Cambria Math" charset="0"/>
+                  </a:rPr>
+                  <a:t>TplNets</a:t>
+                </a:r>
+                <a:r>
+                  <a:rPr lang="en-US" altLang="zh-CN" dirty="0" smtClean="0">
+                    <a:latin typeface="Cambria Math" charset="0"/>
+                  </a:rPr>
+                  <a:t>,</a:t>
+                </a:r>
+                <a:r>
+                  <a:rPr lang="zh-CN" altLang="en-US" dirty="0" smtClean="0">
+                    <a:latin typeface="Cambria Math" charset="0"/>
+                  </a:rPr>
+                  <a:t> </a:t>
+                </a:r>
+                <a:r>
+                  <a:rPr lang="en-US" altLang="zh-CN" dirty="0" smtClean="0">
+                    <a:latin typeface="Cambria Math" charset="0"/>
+                  </a:rPr>
+                  <a:t>calculate</a:t>
+                </a:r>
+                <a:r>
+                  <a:rPr lang="zh-CN" altLang="en-US" dirty="0" smtClean="0">
+                    <a:latin typeface="Cambria Math" charset="0"/>
+                  </a:rPr>
+                  <a:t> </a:t>
+                </a:r>
+                <a:r>
+                  <a:rPr lang="en-US" altLang="zh-CN" dirty="0" smtClean="0">
+                    <a:latin typeface="Cambria Math" charset="0"/>
+                  </a:rPr>
+                  <a:t>weight</a:t>
+                </a:r>
+                <a:r>
+                  <a:rPr lang="zh-CN" altLang="en-US" dirty="0" smtClean="0">
+                    <a:latin typeface="Cambria Math" charset="0"/>
+                  </a:rPr>
+                  <a:t> </a:t>
+                </a:r>
+                <a:r>
+                  <a:rPr lang="en-US" altLang="zh-CN" dirty="0" smtClean="0">
+                    <a:latin typeface="Cambria Math" charset="0"/>
+                  </a:rPr>
+                  <a:t>of</a:t>
+                </a:r>
+                <a:r>
+                  <a:rPr lang="zh-CN" altLang="en-US" dirty="0" smtClean="0">
+                    <a:latin typeface="Cambria Math" charset="0"/>
+                  </a:rPr>
+                  <a:t> </a:t>
+                </a:r>
+                <a:r>
+                  <a:rPr lang="en-US" altLang="zh-CN" dirty="0" smtClean="0">
+                    <a:latin typeface="Cambria Math" charset="0"/>
+                  </a:rPr>
+                  <a:t>every</a:t>
+                </a:r>
+                <a:r>
+                  <a:rPr lang="zh-CN" altLang="en-US" dirty="0" smtClean="0">
+                    <a:latin typeface="Cambria Math" charset="0"/>
+                  </a:rPr>
+                  <a:t> </a:t>
+                </a:r>
+                <a:r>
+                  <a:rPr lang="en-US" altLang="zh-CN" dirty="0" smtClean="0">
+                    <a:latin typeface="Cambria Math" charset="0"/>
+                  </a:rPr>
+                  <a:t>two-pin</a:t>
+                </a:r>
+                <a:r>
+                  <a:rPr lang="zh-CN" altLang="en-US" dirty="0" smtClean="0">
+                    <a:latin typeface="Cambria Math" charset="0"/>
+                  </a:rPr>
+                  <a:t> </a:t>
+                </a:r>
+                <a:r>
+                  <a:rPr lang="en-US" altLang="zh-CN" dirty="0" smtClean="0">
+                    <a:latin typeface="Cambria Math" charset="0"/>
+                  </a:rPr>
+                  <a:t>pair</a:t>
+                </a:r>
+                <a:r>
+                  <a:rPr lang="zh-CN" altLang="en-US" dirty="0" smtClean="0">
+                    <a:latin typeface="Cambria Math" charset="0"/>
+                  </a:rPr>
+                  <a:t> </a:t>
+                </a:r>
+                <a:r>
+                  <a:rPr lang="en-US" altLang="zh-CN" dirty="0" smtClean="0">
+                    <a:latin typeface="Cambria Math" charset="0"/>
+                  </a:rPr>
+                  <a:t>in</a:t>
+                </a:r>
+                <a:r>
+                  <a:rPr lang="zh-CN" altLang="en-US" dirty="0" smtClean="0">
+                    <a:latin typeface="Cambria Math" charset="0"/>
+                  </a:rPr>
+                  <a:t> </a:t>
+                </a:r>
+                <a:r>
+                  <a:rPr lang="en-US" altLang="zh-CN" dirty="0" smtClean="0">
+                    <a:latin typeface="Cambria Math" charset="0"/>
+                  </a:rPr>
+                  <a:t>a</a:t>
+                </a:r>
+                <a:r>
+                  <a:rPr lang="zh-CN" altLang="en-US" dirty="0" smtClean="0">
+                    <a:latin typeface="Cambria Math" charset="0"/>
+                  </a:rPr>
+                  <a:t> </a:t>
+                </a:r>
+                <a:r>
+                  <a:rPr lang="en-US" altLang="zh-CN" dirty="0" smtClean="0">
+                    <a:latin typeface="Cambria Math" charset="0"/>
+                  </a:rPr>
+                  <a:t>net</a:t>
+                </a:r>
+                <a:endParaRPr lang="en-US" altLang="zh-CN" b="0" dirty="0" smtClean="0">
+                  <a:latin typeface="Cambria Math" charset="0"/>
+                </a:endParaRPr>
+              </a:p>
+              <a:p>
+                <a:pPr lvl="2"/>
+                <a14:m>
+                  <m:oMath xmlns:m="http://schemas.openxmlformats.org/officeDocument/2006/math">
+                    <m:r>
+                      <a:rPr lang="en-US" altLang="zh-CN" b="0" i="1" smtClean="0">
+                        <a:latin typeface="Cambria Math" charset="0"/>
+                      </a:rPr>
+                      <m:t>𝑤</m:t>
+                    </m:r>
+                    <m:r>
+                      <a:rPr lang="en-US" altLang="zh-CN" b="0" i="1" smtClean="0">
+                        <a:latin typeface="Cambria Math" charset="0"/>
+                      </a:rPr>
+                      <m:t>=</m:t>
+                    </m:r>
+                    <m:f>
+                      <m:fPr>
+                        <m:ctrlPr>
+                          <a:rPr lang="en-US" altLang="zh-CN" b="0" i="1" smtClean="0">
+                            <a:latin typeface="Cambria Math" charset="0"/>
+                          </a:rPr>
+                        </m:ctrlPr>
+                      </m:fPr>
+                      <m:num>
+                        <m:r>
+                          <a:rPr lang="en-US" altLang="zh-CN" b="0" i="1" smtClean="0">
+                            <a:latin typeface="Cambria Math" charset="0"/>
+                          </a:rPr>
+                          <m:t>2</m:t>
+                        </m:r>
+                      </m:num>
+                      <m:den>
+                        <m:d>
+                          <m:dPr>
+                            <m:ctrlPr>
+                              <a:rPr lang="en-US" altLang="zh-CN" b="0" i="1" smtClean="0">
+                                <a:latin typeface="Cambria Math" charset="0"/>
+                              </a:rPr>
+                            </m:ctrlPr>
+                          </m:dPr>
+                          <m:e>
+                            <m:r>
+                              <a:rPr lang="en-US" altLang="zh-CN" b="0" i="1" smtClean="0">
+                                <a:latin typeface="Cambria Math" charset="0"/>
+                              </a:rPr>
+                              <m:t>𝑑𝑒𝑔𝑟𝑒𝑒</m:t>
+                            </m:r>
+                            <m:r>
+                              <a:rPr lang="zh-CN" altLang="en-US" b="0" i="1" smtClean="0">
+                                <a:latin typeface="Cambria Math" charset="0"/>
+                              </a:rPr>
+                              <m:t> </m:t>
+                            </m:r>
+                            <m:r>
+                              <a:rPr lang="en-US" altLang="zh-CN" b="0" i="1" smtClean="0">
+                                <a:latin typeface="Cambria Math" charset="0"/>
+                              </a:rPr>
+                              <m:t>−1</m:t>
+                            </m:r>
+                          </m:e>
+                        </m:d>
+                        <m:r>
+                          <a:rPr lang="zh-CN" altLang="en-US" b="0" i="1" smtClean="0">
+                            <a:latin typeface="Cambria Math" charset="0"/>
+                          </a:rPr>
+                          <m:t> </m:t>
+                        </m:r>
+                        <m:r>
+                          <a:rPr lang="en-US" altLang="zh-CN" b="0" i="1" smtClean="0">
+                            <a:latin typeface="Cambria Math" charset="0"/>
+                            <a:ea typeface="Cambria Math" charset="0"/>
+                            <a:cs typeface="Cambria Math" charset="0"/>
+                          </a:rPr>
+                          <m:t>×</m:t>
+                        </m:r>
+                        <m:r>
+                          <a:rPr lang="zh-CN" altLang="en-US" b="0" i="1" smtClean="0">
+                            <a:latin typeface="Cambria Math" charset="0"/>
+                          </a:rPr>
+                          <m:t> </m:t>
+                        </m:r>
+                        <m:sSub>
+                          <m:sSubPr>
+                            <m:ctrlPr>
+                              <a:rPr lang="en-US" altLang="zh-CN" b="0" i="1" smtClean="0">
+                                <a:latin typeface="Cambria Math" charset="0"/>
+                              </a:rPr>
+                            </m:ctrlPr>
+                          </m:sSubPr>
+                          <m:e>
+                            <m:r>
+                              <a:rPr lang="en-US" altLang="zh-CN" b="0" i="1" smtClean="0">
+                                <a:latin typeface="Cambria Math" charset="0"/>
+                              </a:rPr>
+                              <m:t>|</m:t>
+                            </m:r>
+                            <m:r>
+                              <a:rPr lang="en-US" altLang="zh-CN" b="0" i="1" smtClean="0">
+                                <a:latin typeface="Cambria Math" charset="0"/>
+                              </a:rPr>
+                              <m:t>𝑥</m:t>
+                            </m:r>
+                          </m:e>
+                          <m:sub>
+                            <m:r>
+                              <a:rPr lang="en-US" altLang="zh-CN" b="0" i="1" smtClean="0">
+                                <a:latin typeface="Cambria Math" charset="0"/>
+                              </a:rPr>
+                              <m:t>𝑝</m:t>
+                            </m:r>
+                            <m:r>
+                              <a:rPr lang="zh-CN" altLang="en-US" b="0" i="1" smtClean="0">
+                                <a:latin typeface="Cambria Math" charset="0"/>
+                              </a:rPr>
+                              <m:t> </m:t>
+                            </m:r>
+                            <m:r>
+                              <a:rPr lang="en-US" altLang="zh-CN" b="0" i="1" smtClean="0">
+                                <a:latin typeface="Cambria Math" charset="0"/>
+                              </a:rPr>
+                              <m:t>−</m:t>
+                            </m:r>
+                          </m:sub>
+                        </m:sSub>
+                        <m:sSub>
+                          <m:sSubPr>
+                            <m:ctrlPr>
+                              <a:rPr lang="en-US" altLang="zh-CN" b="0" i="1" smtClean="0">
+                                <a:latin typeface="Cambria Math" charset="0"/>
+                              </a:rPr>
+                            </m:ctrlPr>
+                          </m:sSubPr>
+                          <m:e>
+                            <m:r>
+                              <a:rPr lang="en-US" altLang="zh-CN" b="0" i="1" smtClean="0">
+                                <a:latin typeface="Cambria Math" charset="0"/>
+                              </a:rPr>
+                              <m:t>𝑥</m:t>
+                            </m:r>
+                          </m:e>
+                          <m:sub>
+                            <m:r>
+                              <a:rPr lang="en-US" altLang="zh-CN" b="0" i="1" smtClean="0">
+                                <a:latin typeface="Cambria Math" charset="0"/>
+                              </a:rPr>
+                              <m:t>𝑞</m:t>
+                            </m:r>
+                          </m:sub>
+                        </m:sSub>
+                        <m:r>
+                          <a:rPr lang="en-US" altLang="zh-CN" b="0" i="1" smtClean="0">
+                            <a:latin typeface="Cambria Math" charset="0"/>
+                          </a:rPr>
+                          <m:t>|</m:t>
+                        </m:r>
+                      </m:den>
+                    </m:f>
+                  </m:oMath>
+                </a14:m>
+                <a:r>
+                  <a:rPr lang="zh-CN" altLang="en-US" dirty="0" smtClean="0"/>
+                  <a:t> </a:t>
+                </a:r>
+                <a:r>
+                  <a:rPr lang="en-US" altLang="zh-CN" dirty="0" smtClean="0"/>
+                  <a:t>if</a:t>
+                </a:r>
+                <a:r>
+                  <a:rPr lang="zh-CN" altLang="en-US" dirty="0" smtClean="0"/>
+                  <a:t> </a:t>
+                </a:r>
+                <a:r>
+                  <a:rPr lang="en-US" altLang="zh-CN" dirty="0" smtClean="0"/>
+                  <a:t>p</a:t>
+                </a:r>
+                <a:r>
+                  <a:rPr lang="zh-CN" altLang="en-US" dirty="0" smtClean="0"/>
+                  <a:t> </a:t>
+                </a:r>
+                <a:r>
+                  <a:rPr lang="en-US" altLang="zh-CN" dirty="0" smtClean="0"/>
+                  <a:t>and</a:t>
+                </a:r>
+                <a:r>
+                  <a:rPr lang="zh-CN" altLang="en-US" dirty="0" smtClean="0"/>
+                  <a:t> </a:t>
+                </a:r>
+                <a:r>
+                  <a:rPr lang="en-US" altLang="zh-CN" dirty="0" smtClean="0"/>
+                  <a:t>q</a:t>
+                </a:r>
+                <a:r>
+                  <a:rPr lang="zh-CN" altLang="en-US" dirty="0" smtClean="0"/>
+                  <a:t> </a:t>
+                </a:r>
+                <a:r>
+                  <a:rPr lang="en-US" altLang="zh-CN" dirty="0" smtClean="0"/>
+                  <a:t>are</a:t>
+                </a:r>
+                <a:r>
+                  <a:rPr lang="zh-CN" altLang="en-US" dirty="0" smtClean="0"/>
+                  <a:t> </a:t>
+                </a:r>
+                <a:r>
+                  <a:rPr lang="en-US" altLang="zh-CN" dirty="0" smtClean="0"/>
+                  <a:t>inner</a:t>
+                </a:r>
+                <a:r>
+                  <a:rPr lang="zh-CN" altLang="en-US" dirty="0" smtClean="0"/>
+                  <a:t> </a:t>
+                </a:r>
+                <a:r>
+                  <a:rPr lang="en-US" altLang="zh-CN" dirty="0" smtClean="0"/>
+                  <a:t>pins,</a:t>
+                </a:r>
+                <a:r>
+                  <a:rPr lang="zh-CN" altLang="en-US" dirty="0" smtClean="0"/>
+                  <a:t> </a:t>
+                </a:r>
+                <a:r>
+                  <a:rPr lang="en-US" altLang="zh-CN" dirty="0" smtClean="0"/>
+                  <a:t>else</a:t>
+                </a:r>
+                <a:r>
+                  <a:rPr lang="zh-CN" altLang="en-US" dirty="0" smtClean="0"/>
+                  <a:t> </a:t>
+                </a:r>
+                <a:r>
+                  <a:rPr lang="en-US" altLang="zh-CN" dirty="0" smtClean="0"/>
+                  <a:t>0</a:t>
+                </a:r>
               </a:p>
               <a:p>
                 <a:pPr lvl="1"/>
                 <a:r>
                   <a:rPr lang="en-US" altLang="zh-CN" dirty="0" err="1" smtClean="0"/>
-                  <a:t>compute_net_force_matrix</a:t>
+                  <a:t>compute_net_force_target</a:t>
                 </a:r>
                 <a:r>
                   <a:rPr lang="en-US" altLang="zh-CN" dirty="0" smtClean="0"/>
@@ -5512,75 +5901,12 @@
                   <a:rPr lang="zh-CN" altLang="en-US" dirty="0" smtClean="0"/>
                   <a:t> </a:t>
                 </a:r>
-                <a:r>
-                  <a:rPr lang="en-US" altLang="zh-CN" dirty="0" smtClean="0"/>
-                  <a:t>//</a:t>
-                </a:r>
-                <a:r>
-                  <a:rPr lang="zh-CN" altLang="en-US" dirty="0" smtClean="0"/>
-                  <a:t> </a:t>
-                </a:r>
-                <a:r>
-                  <a:rPr lang="en-US" altLang="zh-CN" dirty="0" smtClean="0"/>
-                  <a:t>compute</a:t>
-                </a:r>
-                <a:r>
-                  <a:rPr lang="zh-CN" altLang="en-US" dirty="0" smtClean="0"/>
-                  <a:t> </a:t>
-                </a:r>
-                <a:r>
-                  <a:rPr lang="en-US" altLang="zh-CN" dirty="0" smtClean="0"/>
-                  <a:t>matrix</a:t>
-                </a:r>
-                <a:r>
-                  <a:rPr lang="zh-CN" altLang="en-US" dirty="0" smtClean="0"/>
-                  <a:t> </a:t>
-                </a:r>
-                <a:r>
-                  <a:rPr lang="en-US" altLang="zh-CN" dirty="0" smtClean="0"/>
-                  <a:t>C</a:t>
-                </a:r>
-                <a:r>
-                  <a:rPr lang="zh-CN" altLang="en-US" dirty="0" smtClean="0"/>
-                  <a:t> </a:t>
-                </a:r>
-                <a:r>
-                  <a:rPr lang="en-US" altLang="zh-CN" dirty="0" smtClean="0"/>
-                  <a:t>and</a:t>
-                </a:r>
-                <a:r>
-                  <a:rPr lang="zh-CN" altLang="en-US" dirty="0" smtClean="0"/>
-                  <a:t> </a:t>
-                </a:r>
-                <a:r>
-                  <a:rPr lang="en-US" altLang="zh-CN" dirty="0" smtClean="0"/>
-                  <a:t>d</a:t>
-                </a:r>
+                <a:endParaRPr lang="en-US" altLang="zh-CN" smtClean="0"/>
               </a:p>
               <a:p>
-                <a:pPr lvl="1"/>
-                <a:r>
-                  <a:rPr lang="en-US" altLang="zh-CN" dirty="0" err="1" smtClean="0"/>
-                  <a:t>compute_net_force_target</a:t>
-                </a:r>
-                <a:r>
-                  <a:rPr lang="en-US" altLang="zh-CN" dirty="0" smtClean="0"/>
-                  <a:t>()</a:t>
-                </a:r>
-                <a:r>
-                  <a:rPr lang="zh-CN" altLang="en-US" dirty="0" smtClean="0"/>
-                  <a:t> </a:t>
-                </a:r>
-                <a:r>
-                  <a:rPr lang="en-US" altLang="zh-CN" dirty="0" smtClean="0"/>
-                  <a:t>//</a:t>
-                </a:r>
-                <a:r>
-                  <a:rPr lang="zh-CN" altLang="en-US" dirty="0" smtClean="0"/>
-                  <a:t> </a:t>
-                </a:r>
-                <a:r>
-                  <a:rPr lang="en-US" altLang="zh-CN" dirty="0" smtClean="0"/>
+                <a:pPr lvl="2"/>
+                <a:r>
+                  <a:rPr lang="en-US" altLang="zh-CN" smtClean="0"/>
                   <a:t>compute</a:t>
                 </a:r>
                 <a:r>
@@ -5622,6 +5948,25 @@
                 <a:r>
                   <a:rPr lang="en-US" altLang="zh-CN" dirty="0" smtClean="0"/>
                   <a:t>force</a:t>
+                </a:r>
+              </a:p>
+              <a:p>
+                <a:pPr lvl="2"/>
+                <a:r>
+                  <a:rPr lang="en-US" altLang="zh-CN" dirty="0" smtClean="0"/>
+                  <a:t>use</a:t>
+                </a:r>
+                <a:r>
+                  <a:rPr lang="zh-CN" altLang="en-US" dirty="0" smtClean="0"/>
+                  <a:t> </a:t>
+                </a:r>
+                <a:r>
+                  <a:rPr lang="en-US" altLang="zh-CN" dirty="0" smtClean="0"/>
+                  <a:t>Eigen::</a:t>
+                </a:r>
+                <a:r>
+                  <a:rPr lang="en-US" altLang="zh-CN" dirty="0" err="1" smtClean="0"/>
+                  <a:t>SimplicialLLT</a:t>
                 </a:r>
                 <a:endParaRPr lang="en-US" altLang="zh-CN" dirty="0"/>
               </a:p>
@@ -5698,6 +6043,1103 @@
 </file>
 
 <file path=ppt/slides/slide11.xml><?xml version="1.0" encoding="utf-8"?>
+<p:sld xmlns:a="http://schemas.openxmlformats.org/drawingml/2006/main" xmlns:r="http://schemas.openxmlformats.org/officeDocument/2006/relationships" xmlns:p="http://schemas.openxmlformats.org/presentationml/2006/main">
+  <p:cSld>
+    <p:spTree>
+      <p:nvGrpSpPr>
+        <p:cNvPr id="1" name=""/>
+        <p:cNvGrpSpPr/>
+        <p:nvPr/>
+      </p:nvGrpSpPr>
+      <p:grpSpPr>
+        <a:xfrm>
+          <a:off x="0" y="0"/>
+          <a:ext cx="0" cy="0"/>
+          <a:chOff x="0" y="0"/>
+          <a:chExt cx="0" cy="0"/>
+        </a:xfrm>
+      </p:grpSpPr>
+      <p:sp>
+        <p:nvSpPr>
+          <p:cNvPr id="2" name="标题 1"/>
+          <p:cNvSpPr>
+            <a:spLocks noGrp="1"/>
+          </p:cNvSpPr>
+          <p:nvPr>
+            <p:ph type="title"/>
+          </p:nvPr>
+        </p:nvSpPr>
+        <p:spPr/>
+        <p:txBody>
+          <a:bodyPr/>
+          <a:lstStyle/>
+          <a:p>
+            <a:r>
+              <a:rPr lang="en-US" altLang="zh-CN" dirty="0" smtClean="0"/>
+              <a:t>3.</a:t>
+            </a:r>
+            <a:r>
+              <a:rPr lang="zh-CN" altLang="en-US" dirty="0" smtClean="0"/>
+              <a:t> </a:t>
+            </a:r>
+            <a:r>
+              <a:rPr lang="en-US" altLang="zh-CN" dirty="0" err="1" smtClean="0"/>
+              <a:t>netforce</a:t>
+            </a:r>
+            <a:r>
+              <a:rPr lang="zh-CN" altLang="en-US" dirty="0" smtClean="0"/>
+              <a:t> </a:t>
+            </a:r>
+            <a:r>
+              <a:rPr lang="en-US" altLang="zh-CN" dirty="0" smtClean="0"/>
+              <a:t>placement</a:t>
+            </a:r>
+            <a:r>
+              <a:rPr lang="zh-CN" altLang="en-US" dirty="0" smtClean="0"/>
+              <a:t> </a:t>
+            </a:r>
+            <a:r>
+              <a:rPr lang="en-US" altLang="zh-CN" dirty="0" smtClean="0"/>
+              <a:t>algorithm</a:t>
+            </a:r>
+            <a:endParaRPr lang="zh-CN" altLang="en-US" dirty="0"/>
+          </a:p>
+        </p:txBody>
+      </p:sp>
+      <mc:AlternateContent xmlns:mc="http://schemas.openxmlformats.org/markup-compatibility/2006">
+        <mc:Choice xmlns:a14="http://schemas.microsoft.com/office/drawing/2010/main" Requires="a14">
+          <p:sp>
+            <p:nvSpPr>
+              <p:cNvPr id="3" name="内容占位符 2"/>
+              <p:cNvSpPr>
+                <a:spLocks noGrp="1"/>
+              </p:cNvSpPr>
+              <p:nvPr>
+                <p:ph sz="quarter" idx="1"/>
+              </p:nvPr>
+            </p:nvSpPr>
+            <p:spPr>
+              <a:xfrm>
+                <a:off x="457200" y="1600200"/>
+                <a:ext cx="8291264" cy="5257800"/>
+              </a:xfrm>
+            </p:spPr>
+            <p:txBody>
+              <a:bodyPr/>
+              <a:lstStyle/>
+              <a:p>
+                <a:r>
+                  <a:rPr lang="en-US" altLang="zh-CN" dirty="0" smtClean="0"/>
+                  <a:t>TplNetForceModelInterface</a:t>
+                </a:r>
+              </a:p>
+              <a:p>
+                <a:pPr lvl="1"/>
+                <a:r>
+                  <a:rPr lang="en-US" altLang="zh-CN" dirty="0" smtClean="0"/>
+                  <a:t>//</a:t>
+                </a:r>
+                <a:r>
+                  <a:rPr lang="zh-CN" altLang="en-US" dirty="0" smtClean="0"/>
+                  <a:t> </a:t>
+                </a:r>
+                <a14:m>
+                  <m:oMath xmlns:m="http://schemas.openxmlformats.org/officeDocument/2006/math">
+                    <m:sSub>
+                      <m:sSubPr>
+                        <m:ctrlPr>
+                          <a:rPr lang="en-US" altLang="zh-CN" i="1" smtClean="0">
+                            <a:latin typeface="Cambria Math" charset="0"/>
+                            <a:ea typeface="Cambria Math" charset="0"/>
+                            <a:cs typeface="Cambria Math" charset="0"/>
+                          </a:rPr>
+                        </m:ctrlPr>
+                      </m:sSubPr>
+                      <m:e>
+                        <m:r>
+                          <m:rPr>
+                            <m:sty m:val="p"/>
+                          </m:rPr>
+                          <a:rPr lang="el-GR" altLang="zh-CN" i="1">
+                            <a:latin typeface="Cambria Math" charset="0"/>
+                            <a:ea typeface="Cambria Math" charset="0"/>
+                            <a:cs typeface="Cambria Math" charset="0"/>
+                          </a:rPr>
+                          <m:t>Γ</m:t>
+                        </m:r>
+                      </m:e>
+                      <m:sub>
+                        <m:r>
+                          <a:rPr lang="en-US" altLang="zh-CN" b="0" i="1" smtClean="0">
+                            <a:latin typeface="Cambria Math" charset="0"/>
+                            <a:ea typeface="Cambria Math" charset="0"/>
+                            <a:cs typeface="Cambria Math" charset="0"/>
+                          </a:rPr>
+                          <m:t>𝑥</m:t>
+                        </m:r>
+                      </m:sub>
+                    </m:sSub>
+                    <m:r>
+                      <a:rPr lang="en-US" altLang="zh-CN" b="0" i="1" smtClean="0">
+                        <a:latin typeface="Cambria Math" charset="0"/>
+                        <a:ea typeface="Cambria Math" charset="0"/>
+                        <a:cs typeface="Cambria Math" charset="0"/>
+                      </a:rPr>
+                      <m:t>=</m:t>
+                    </m:r>
+                    <m:r>
+                      <a:rPr lang="zh-CN" altLang="en-US" b="0" i="1" smtClean="0">
+                        <a:latin typeface="Cambria Math" charset="0"/>
+                        <a:ea typeface="Cambria Math" charset="0"/>
+                        <a:cs typeface="Cambria Math" charset="0"/>
+                      </a:rPr>
+                      <m:t> </m:t>
+                    </m:r>
+                    <m:f>
+                      <m:fPr>
+                        <m:ctrlPr>
+                          <a:rPr lang="bg-BG" altLang="zh-CN" b="0" i="1" smtClean="0">
+                            <a:latin typeface="Cambria Math" charset="0"/>
+                            <a:ea typeface="Cambria Math" charset="0"/>
+                            <a:cs typeface="Cambria Math" charset="0"/>
+                          </a:rPr>
+                        </m:ctrlPr>
+                      </m:fPr>
+                      <m:num>
+                        <m:r>
+                          <a:rPr lang="en-US" altLang="zh-CN" b="0" i="1" smtClean="0">
+                            <a:latin typeface="Cambria Math" charset="0"/>
+                            <a:ea typeface="Cambria Math" charset="0"/>
+                            <a:cs typeface="Cambria Math" charset="0"/>
+                          </a:rPr>
+                          <m:t>1</m:t>
+                        </m:r>
+                      </m:num>
+                      <m:den>
+                        <m:r>
+                          <a:rPr lang="en-US" altLang="zh-CN" b="0" i="1" smtClean="0">
+                            <a:latin typeface="Cambria Math" charset="0"/>
+                            <a:ea typeface="Cambria Math" charset="0"/>
+                            <a:cs typeface="Cambria Math" charset="0"/>
+                          </a:rPr>
+                          <m:t>2</m:t>
+                        </m:r>
+                      </m:den>
+                    </m:f>
+                    <m:sSup>
+                      <m:sSupPr>
+                        <m:ctrlPr>
+                          <a:rPr lang="bg-BG" altLang="zh-CN" b="0" i="1" smtClean="0">
+                            <a:latin typeface="Cambria Math" charset="0"/>
+                            <a:ea typeface="Cambria Math" charset="0"/>
+                            <a:cs typeface="Cambria Math" charset="0"/>
+                          </a:rPr>
+                        </m:ctrlPr>
+                      </m:sSupPr>
+                      <m:e>
+                        <m:r>
+                          <a:rPr lang="en-US" altLang="zh-CN" i="1">
+                            <a:latin typeface="Cambria Math" charset="0"/>
+                            <a:ea typeface="Cambria Math" charset="0"/>
+                            <a:cs typeface="Cambria Math" charset="0"/>
+                          </a:rPr>
+                          <m:t>𝑥</m:t>
+                        </m:r>
+                      </m:e>
+                      <m:sup>
+                        <m:r>
+                          <a:rPr lang="en-US" altLang="zh-CN" b="0" i="1" smtClean="0">
+                            <a:latin typeface="Cambria Math" charset="0"/>
+                            <a:ea typeface="Cambria Math" charset="0"/>
+                            <a:cs typeface="Cambria Math" charset="0"/>
+                          </a:rPr>
+                          <m:t>𝑇</m:t>
+                        </m:r>
+                      </m:sup>
+                    </m:sSup>
+                    <m:sSub>
+                      <m:sSubPr>
+                        <m:ctrlPr>
+                          <a:rPr lang="en-US" altLang="zh-CN" b="0" i="1" smtClean="0">
+                            <a:latin typeface="Cambria Math" charset="0"/>
+                            <a:ea typeface="Cambria Math" charset="0"/>
+                            <a:cs typeface="Cambria Math" charset="0"/>
+                          </a:rPr>
+                        </m:ctrlPr>
+                      </m:sSubPr>
+                      <m:e>
+                        <m:r>
+                          <a:rPr lang="en-US" altLang="zh-CN" b="0" i="1" smtClean="0">
+                            <a:latin typeface="Cambria Math" charset="0"/>
+                            <a:ea typeface="Cambria Math" charset="0"/>
+                            <a:cs typeface="Cambria Math" charset="0"/>
+                          </a:rPr>
+                          <m:t>𝐶</m:t>
+                        </m:r>
+                      </m:e>
+                      <m:sub>
+                        <m:r>
+                          <a:rPr lang="en-US" altLang="zh-CN" b="0" i="1" smtClean="0">
+                            <a:latin typeface="Cambria Math" charset="0"/>
+                            <a:ea typeface="Cambria Math" charset="0"/>
+                            <a:cs typeface="Cambria Math" charset="0"/>
+                          </a:rPr>
+                          <m:t>𝑥</m:t>
+                        </m:r>
+                      </m:sub>
+                    </m:sSub>
+                    <m:r>
+                      <a:rPr lang="en-US" altLang="zh-CN" b="0" i="1" smtClean="0">
+                        <a:latin typeface="Cambria Math" charset="0"/>
+                        <a:ea typeface="Cambria Math" charset="0"/>
+                        <a:cs typeface="Cambria Math" charset="0"/>
+                      </a:rPr>
+                      <m:t>𝑥</m:t>
+                    </m:r>
+                    <m:r>
+                      <a:rPr lang="en-US" altLang="zh-CN" b="0" i="1" smtClean="0">
+                        <a:latin typeface="Cambria Math" charset="0"/>
+                        <a:ea typeface="Cambria Math" charset="0"/>
+                        <a:cs typeface="Cambria Math" charset="0"/>
+                      </a:rPr>
+                      <m:t>+ </m:t>
+                    </m:r>
+                    <m:sSup>
+                      <m:sSupPr>
+                        <m:ctrlPr>
+                          <a:rPr lang="en-US" altLang="zh-CN" b="0" i="1" smtClean="0">
+                            <a:latin typeface="Cambria Math" charset="0"/>
+                            <a:ea typeface="Cambria Math" charset="0"/>
+                            <a:cs typeface="Cambria Math" charset="0"/>
+                          </a:rPr>
+                        </m:ctrlPr>
+                      </m:sSupPr>
+                      <m:e>
+                        <m:r>
+                          <a:rPr lang="en-US" altLang="zh-CN" b="0" i="1" smtClean="0">
+                            <a:latin typeface="Cambria Math" charset="0"/>
+                            <a:ea typeface="Cambria Math" charset="0"/>
+                            <a:cs typeface="Cambria Math" charset="0"/>
+                          </a:rPr>
+                          <m:t>𝑥</m:t>
+                        </m:r>
+                      </m:e>
+                      <m:sup>
+                        <m:r>
+                          <a:rPr lang="en-US" altLang="zh-CN" b="0" i="1" smtClean="0">
+                            <a:latin typeface="Cambria Math" charset="0"/>
+                            <a:ea typeface="Cambria Math" charset="0"/>
+                            <a:cs typeface="Cambria Math" charset="0"/>
+                          </a:rPr>
+                          <m:t>𝑇</m:t>
+                        </m:r>
+                      </m:sup>
+                    </m:sSup>
+                    <m:sSub>
+                      <m:sSubPr>
+                        <m:ctrlPr>
+                          <a:rPr lang="en-US" altLang="zh-CN" b="0" i="1" smtClean="0">
+                            <a:latin typeface="Cambria Math" charset="0"/>
+                            <a:ea typeface="Cambria Math" charset="0"/>
+                            <a:cs typeface="Cambria Math" charset="0"/>
+                          </a:rPr>
+                        </m:ctrlPr>
+                      </m:sSubPr>
+                      <m:e>
+                        <m:r>
+                          <a:rPr lang="en-US" altLang="zh-CN" b="0" i="1" smtClean="0">
+                            <a:latin typeface="Cambria Math" charset="0"/>
+                            <a:ea typeface="Cambria Math" charset="0"/>
+                            <a:cs typeface="Cambria Math" charset="0"/>
+                          </a:rPr>
+                          <m:t>𝑑</m:t>
+                        </m:r>
+                      </m:e>
+                      <m:sub>
+                        <m:r>
+                          <a:rPr lang="en-US" altLang="zh-CN" b="0" i="1" smtClean="0">
+                            <a:latin typeface="Cambria Math" charset="0"/>
+                            <a:ea typeface="Cambria Math" charset="0"/>
+                            <a:cs typeface="Cambria Math" charset="0"/>
+                          </a:rPr>
+                          <m:t>𝑥</m:t>
+                        </m:r>
+                      </m:sub>
+                    </m:sSub>
+                    <m:r>
+                      <a:rPr lang="en-US" altLang="zh-CN" b="0" i="1" smtClean="0">
+                        <a:latin typeface="Cambria Math" charset="0"/>
+                        <a:ea typeface="Cambria Math" charset="0"/>
+                        <a:cs typeface="Cambria Math" charset="0"/>
+                      </a:rPr>
+                      <m:t>+</m:t>
+                    </m:r>
+                    <m:r>
+                      <a:rPr lang="en-US" altLang="zh-CN" b="0" i="1" smtClean="0">
+                        <a:latin typeface="Cambria Math" charset="0"/>
+                        <a:ea typeface="Cambria Math" charset="0"/>
+                        <a:cs typeface="Cambria Math" charset="0"/>
+                      </a:rPr>
+                      <m:t>𝑐𝑜𝑛𝑠𝑡</m:t>
+                    </m:r>
+                  </m:oMath>
+                </a14:m>
+                <a:endParaRPr lang="en-US" altLang="zh-CN" dirty="0" smtClean="0"/>
+              </a:p>
+              <a:p>
+                <a:pPr lvl="1"/>
+                <a:r>
+                  <a:rPr lang="en-US" altLang="zh-CN" dirty="0" err="1" smtClean="0"/>
+                  <a:t>compute_net_force_matrix</a:t>
+                </a:r>
+                <a:r>
+                  <a:rPr lang="en-US" altLang="zh-CN" dirty="0" smtClean="0"/>
+                  <a:t>()</a:t>
+                </a:r>
+                <a:r>
+                  <a:rPr lang="zh-CN" altLang="en-US" dirty="0" smtClean="0"/>
+                  <a:t> </a:t>
+                </a:r>
+                <a:r>
+                  <a:rPr lang="en-US" altLang="zh-CN" dirty="0" smtClean="0"/>
+                  <a:t>//</a:t>
+                </a:r>
+                <a:r>
+                  <a:rPr lang="zh-CN" altLang="en-US" dirty="0" smtClean="0"/>
+                  <a:t> </a:t>
+                </a:r>
+                <a:r>
+                  <a:rPr lang="en-US" altLang="zh-CN" dirty="0" smtClean="0"/>
+                  <a:t>compute</a:t>
+                </a:r>
+                <a:r>
+                  <a:rPr lang="zh-CN" altLang="en-US" dirty="0" smtClean="0"/>
+                  <a:t> </a:t>
+                </a:r>
+                <a:r>
+                  <a:rPr lang="en-US" altLang="zh-CN" dirty="0" smtClean="0"/>
+                  <a:t>matrix</a:t>
+                </a:r>
+                <a:r>
+                  <a:rPr lang="zh-CN" altLang="en-US" dirty="0" smtClean="0"/>
+                  <a:t> </a:t>
+                </a:r>
+                <a:r>
+                  <a:rPr lang="en-US" altLang="zh-CN" dirty="0" smtClean="0"/>
+                  <a:t>C</a:t>
+                </a:r>
+                <a:r>
+                  <a:rPr lang="zh-CN" altLang="en-US" dirty="0" smtClean="0"/>
+                  <a:t> </a:t>
+                </a:r>
+                <a:r>
+                  <a:rPr lang="en-US" altLang="zh-CN" dirty="0" smtClean="0"/>
+                  <a:t>and</a:t>
+                </a:r>
+                <a:r>
+                  <a:rPr lang="zh-CN" altLang="en-US" dirty="0" smtClean="0"/>
+                  <a:t> </a:t>
+                </a:r>
+                <a:r>
+                  <a:rPr lang="en-US" altLang="zh-CN" dirty="0" smtClean="0"/>
+                  <a:t>d</a:t>
+                </a:r>
+              </a:p>
+              <a:p>
+                <a:pPr lvl="2"/>
+                <a:r>
+                  <a:rPr lang="en-US" altLang="zh-CN" dirty="0"/>
+                  <a:t>if</a:t>
+                </a:r>
+                <a:r>
+                  <a:rPr lang="zh-CN" altLang="en-US" dirty="0"/>
+                  <a:t> </a:t>
+                </a:r>
+                <a:r>
+                  <a:rPr lang="en-US" altLang="zh-CN" dirty="0" smtClean="0"/>
+                  <a:t>module[</a:t>
+                </a:r>
+                <a:r>
+                  <a:rPr lang="en-US" altLang="zh-CN" dirty="0" err="1" smtClean="0"/>
+                  <a:t>i</a:t>
+                </a:r>
+                <a:r>
+                  <a:rPr lang="en-US" altLang="zh-CN" dirty="0" smtClean="0"/>
+                  <a:t>]</a:t>
+                </a:r>
+                <a:r>
+                  <a:rPr lang="zh-CN" altLang="en-US" dirty="0" smtClean="0"/>
+                  <a:t> </a:t>
+                </a:r>
+                <a:r>
+                  <a:rPr lang="en-US" altLang="zh-CN" dirty="0"/>
+                  <a:t>and</a:t>
+                </a:r>
+                <a:r>
+                  <a:rPr lang="zh-CN" altLang="en-US" dirty="0"/>
+                  <a:t> </a:t>
+                </a:r>
+                <a:r>
+                  <a:rPr lang="en-US" altLang="zh-CN" dirty="0" smtClean="0"/>
+                  <a:t>module[j]</a:t>
+                </a:r>
+                <a:r>
+                  <a:rPr lang="zh-CN" altLang="en-US" dirty="0" smtClean="0"/>
+                  <a:t> </a:t>
+                </a:r>
+                <a:r>
+                  <a:rPr lang="en-US" altLang="zh-CN" dirty="0"/>
+                  <a:t>are</a:t>
+                </a:r>
+                <a:r>
+                  <a:rPr lang="zh-CN" altLang="en-US" dirty="0"/>
+                  <a:t> </a:t>
+                </a:r>
+                <a:r>
+                  <a:rPr lang="en-US" altLang="zh-CN" dirty="0" smtClean="0"/>
+                  <a:t>movable:</a:t>
+                </a:r>
+                <a:endParaRPr lang="en-US" altLang="zh-CN" dirty="0"/>
+              </a:p>
+              <a:p>
+                <a:pPr lvl="3"/>
+                <a:r>
+                  <a:rPr lang="en-US" altLang="zh-CN" dirty="0"/>
+                  <a:t>C[</a:t>
+                </a:r>
+                <a:r>
+                  <a:rPr lang="en-US" altLang="zh-CN" dirty="0" err="1"/>
+                  <a:t>i</a:t>
+                </a:r>
+                <a:r>
+                  <a:rPr lang="en-US" altLang="zh-CN" dirty="0"/>
+                  <a:t>,</a:t>
+                </a:r>
+                <a:r>
+                  <a:rPr lang="zh-CN" altLang="en-US" dirty="0"/>
+                  <a:t> </a:t>
+                </a:r>
+                <a:r>
+                  <a:rPr lang="en-US" altLang="zh-CN" dirty="0" err="1"/>
+                  <a:t>i</a:t>
+                </a:r>
+                <a:r>
+                  <a:rPr lang="en-US" altLang="zh-CN" dirty="0"/>
+                  <a:t>],</a:t>
+                </a:r>
+                <a:r>
+                  <a:rPr lang="zh-CN" altLang="en-US" dirty="0"/>
+                  <a:t> </a:t>
+                </a:r>
+                <a:r>
+                  <a:rPr lang="en-US" altLang="zh-CN" dirty="0"/>
+                  <a:t>C[j,</a:t>
+                </a:r>
+                <a:r>
+                  <a:rPr lang="zh-CN" altLang="en-US" dirty="0"/>
+                  <a:t> </a:t>
+                </a:r>
+                <a:r>
+                  <a:rPr lang="en-US" altLang="zh-CN" dirty="0"/>
+                  <a:t>j]</a:t>
+                </a:r>
+                <a:r>
+                  <a:rPr lang="zh-CN" altLang="en-US" dirty="0"/>
+                  <a:t> </a:t>
+                </a:r>
+                <a:r>
+                  <a:rPr lang="en-US" altLang="zh-CN" dirty="0"/>
+                  <a:t>+=</a:t>
+                </a:r>
+                <a:r>
+                  <a:rPr lang="zh-CN" altLang="en-US" dirty="0"/>
+                  <a:t> </a:t>
+                </a:r>
+                <a:r>
+                  <a:rPr lang="en-US" altLang="zh-CN" dirty="0" smtClean="0"/>
+                  <a:t>weight</a:t>
+                </a:r>
+                <a:endParaRPr lang="en-US" altLang="zh-CN" dirty="0"/>
+              </a:p>
+              <a:p>
+                <a:pPr lvl="3"/>
+                <a:r>
+                  <a:rPr lang="en-US" altLang="zh-CN" dirty="0"/>
+                  <a:t>C[</a:t>
+                </a:r>
+                <a:r>
+                  <a:rPr lang="en-US" altLang="zh-CN" dirty="0" err="1"/>
+                  <a:t>i</a:t>
+                </a:r>
+                <a:r>
+                  <a:rPr lang="en-US" altLang="zh-CN" dirty="0"/>
+                  <a:t>,</a:t>
+                </a:r>
+                <a:r>
+                  <a:rPr lang="zh-CN" altLang="en-US" dirty="0"/>
+                  <a:t> </a:t>
+                </a:r>
+                <a:r>
+                  <a:rPr lang="en-US" altLang="zh-CN" dirty="0"/>
+                  <a:t>j],</a:t>
+                </a:r>
+                <a:r>
+                  <a:rPr lang="zh-CN" altLang="en-US" dirty="0"/>
+                  <a:t> </a:t>
+                </a:r>
+                <a:r>
+                  <a:rPr lang="en-US" altLang="zh-CN" dirty="0"/>
+                  <a:t>C[j,</a:t>
+                </a:r>
+                <a:r>
+                  <a:rPr lang="zh-CN" altLang="en-US" dirty="0"/>
+                  <a:t> </a:t>
+                </a:r>
+                <a:r>
+                  <a:rPr lang="en-US" altLang="zh-CN" dirty="0" err="1"/>
+                  <a:t>i</a:t>
+                </a:r>
+                <a:r>
+                  <a:rPr lang="en-US" altLang="zh-CN" dirty="0"/>
+                  <a:t>]</a:t>
+                </a:r>
+                <a:r>
+                  <a:rPr lang="zh-CN" altLang="en-US" dirty="0"/>
+                  <a:t> </a:t>
+                </a:r>
+                <a:r>
+                  <a:rPr lang="en-US" altLang="zh-CN" dirty="0"/>
+                  <a:t>-=</a:t>
+                </a:r>
+                <a:r>
+                  <a:rPr lang="zh-CN" altLang="en-US" dirty="0"/>
+                  <a:t> </a:t>
+                </a:r>
+                <a:r>
+                  <a:rPr lang="en-US" altLang="zh-CN" dirty="0" smtClean="0"/>
+                  <a:t>weight</a:t>
+                </a:r>
+              </a:p>
+              <a:p>
+                <a:pPr lvl="3"/>
+                <a:r>
+                  <a:rPr lang="en-US" altLang="zh-CN" dirty="0" smtClean="0"/>
+                  <a:t>d[</a:t>
+                </a:r>
+                <a:r>
+                  <a:rPr lang="en-US" altLang="zh-CN" dirty="0" err="1" smtClean="0"/>
+                  <a:t>i</a:t>
+                </a:r>
+                <a:r>
+                  <a:rPr lang="en-US" altLang="zh-CN" dirty="0" smtClean="0"/>
+                  <a:t>]</a:t>
+                </a:r>
+                <a:r>
+                  <a:rPr lang="zh-CN" altLang="en-US" dirty="0" smtClean="0"/>
+                  <a:t> </a:t>
+                </a:r>
+                <a:r>
+                  <a:rPr lang="en-US" altLang="zh-CN" dirty="0" smtClean="0"/>
+                  <a:t>+=</a:t>
+                </a:r>
+                <a:r>
+                  <a:rPr lang="zh-CN" altLang="en-US" dirty="0" smtClean="0"/>
+                  <a:t> </a:t>
+                </a:r>
+                <a:r>
+                  <a:rPr lang="en-US" altLang="zh-CN" dirty="0" smtClean="0"/>
+                  <a:t>weight</a:t>
+                </a:r>
+                <a:r>
+                  <a:rPr lang="zh-CN" altLang="en-US" dirty="0" smtClean="0"/>
+                  <a:t> </a:t>
+                </a:r>
+                <a:r>
+                  <a:rPr lang="zh-CN" altLang="en-US" dirty="0"/>
+                  <a:t>* </a:t>
+                </a:r>
+                <a:r>
+                  <a:rPr lang="en-US" altLang="zh-CN" dirty="0" smtClean="0"/>
+                  <a:t>(pin[</a:t>
+                </a:r>
+                <a:r>
+                  <a:rPr lang="en-US" altLang="zh-CN" dirty="0" err="1" smtClean="0"/>
+                  <a:t>i</a:t>
+                </a:r>
+                <a:r>
+                  <a:rPr lang="en-US" altLang="zh-CN" dirty="0" smtClean="0"/>
+                  <a:t>]</a:t>
+                </a:r>
+                <a:r>
+                  <a:rPr lang="zh-CN" altLang="en-US" dirty="0" smtClean="0"/>
+                  <a:t> </a:t>
+                </a:r>
+                <a:r>
+                  <a:rPr lang="en-US" altLang="zh-CN" dirty="0" smtClean="0"/>
+                  <a:t>–</a:t>
+                </a:r>
+                <a:r>
+                  <a:rPr lang="zh-CN" altLang="en-US" dirty="0" smtClean="0"/>
+                  <a:t> </a:t>
+                </a:r>
+                <a:r>
+                  <a:rPr lang="en-US" altLang="zh-CN" dirty="0" smtClean="0"/>
+                  <a:t>pin[j])</a:t>
+                </a:r>
+              </a:p>
+              <a:p>
+                <a:pPr lvl="3"/>
+                <a:r>
+                  <a:rPr lang="en-US" altLang="zh-CN" dirty="0"/>
+                  <a:t>d[j</a:t>
+                </a:r>
+                <a:r>
+                  <a:rPr lang="en-US" altLang="zh-CN" dirty="0" smtClean="0"/>
+                  <a:t>]</a:t>
+                </a:r>
+                <a:r>
+                  <a:rPr lang="zh-CN" altLang="en-US" dirty="0" smtClean="0"/>
+                  <a:t> </a:t>
+                </a:r>
+                <a:r>
+                  <a:rPr lang="en-US" altLang="zh-CN" dirty="0" smtClean="0"/>
+                  <a:t>+=</a:t>
+                </a:r>
+                <a:r>
+                  <a:rPr lang="zh-CN" altLang="en-US" dirty="0" smtClean="0"/>
+                  <a:t> </a:t>
+                </a:r>
+                <a:r>
+                  <a:rPr lang="en-US" altLang="zh-CN" dirty="0" smtClean="0"/>
+                  <a:t>weight</a:t>
+                </a:r>
+                <a:r>
+                  <a:rPr lang="zh-CN" altLang="en-US" dirty="0" smtClean="0"/>
+                  <a:t> * </a:t>
+                </a:r>
+                <a:r>
+                  <a:rPr lang="en-US" altLang="zh-CN" dirty="0" smtClean="0"/>
+                  <a:t>(pin[j]</a:t>
+                </a:r>
+                <a:r>
+                  <a:rPr lang="zh-CN" altLang="en-US" dirty="0" smtClean="0"/>
+                  <a:t> </a:t>
+                </a:r>
+                <a:r>
+                  <a:rPr lang="en-US" altLang="zh-CN" dirty="0" smtClean="0"/>
+                  <a:t>–</a:t>
+                </a:r>
+                <a:r>
+                  <a:rPr lang="zh-CN" altLang="en-US" dirty="0" smtClean="0"/>
+                  <a:t> </a:t>
+                </a:r>
+                <a:r>
+                  <a:rPr lang="en-US" altLang="zh-CN" dirty="0" smtClean="0"/>
+                  <a:t>pin[</a:t>
+                </a:r>
+                <a:r>
+                  <a:rPr lang="en-US" altLang="zh-CN" dirty="0" err="1" smtClean="0"/>
+                  <a:t>i</a:t>
+                </a:r>
+                <a:r>
+                  <a:rPr lang="en-US" altLang="zh-CN" dirty="0" smtClean="0"/>
+                  <a:t>])</a:t>
+                </a:r>
+              </a:p>
+              <a:p>
+                <a:pPr lvl="2"/>
+                <a:r>
+                  <a:rPr lang="en-US" altLang="zh-CN" dirty="0"/>
+                  <a:t>else</a:t>
+                </a:r>
+                <a:r>
+                  <a:rPr lang="zh-CN" altLang="en-US" dirty="0"/>
+                  <a:t> </a:t>
+                </a:r>
+                <a:r>
+                  <a:rPr lang="en-US" altLang="zh-CN" dirty="0"/>
+                  <a:t>if</a:t>
+                </a:r>
+                <a:r>
+                  <a:rPr lang="zh-CN" altLang="en-US" dirty="0"/>
+                  <a:t> </a:t>
+                </a:r>
+                <a:r>
+                  <a:rPr lang="en-US" altLang="zh-CN" dirty="0" smtClean="0"/>
+                  <a:t>module[</a:t>
+                </a:r>
+                <a:r>
+                  <a:rPr lang="en-US" altLang="zh-CN" dirty="0" err="1" smtClean="0"/>
+                  <a:t>i</a:t>
+                </a:r>
+                <a:r>
+                  <a:rPr lang="en-US" altLang="zh-CN" dirty="0" smtClean="0"/>
+                  <a:t>]</a:t>
+                </a:r>
+                <a:r>
+                  <a:rPr lang="zh-CN" altLang="en-US" dirty="0" smtClean="0"/>
+                  <a:t> </a:t>
+                </a:r>
+                <a:r>
+                  <a:rPr lang="en-US" altLang="zh-CN" dirty="0"/>
+                  <a:t>is</a:t>
+                </a:r>
+                <a:r>
+                  <a:rPr lang="zh-CN" altLang="en-US" dirty="0"/>
+                  <a:t> </a:t>
+                </a:r>
+                <a:r>
+                  <a:rPr lang="en-US" altLang="zh-CN" dirty="0"/>
+                  <a:t>fixed</a:t>
+                </a:r>
+                <a:r>
+                  <a:rPr lang="zh-CN" altLang="en-US" dirty="0"/>
+                  <a:t> </a:t>
+                </a:r>
+                <a:r>
+                  <a:rPr lang="en-US" altLang="zh-CN" dirty="0"/>
+                  <a:t>and</a:t>
+                </a:r>
+                <a:r>
+                  <a:rPr lang="zh-CN" altLang="en-US" dirty="0"/>
+                  <a:t> </a:t>
+                </a:r>
+                <a:r>
+                  <a:rPr lang="en-US" altLang="zh-CN" dirty="0" smtClean="0"/>
+                  <a:t>module[j]</a:t>
+                </a:r>
+                <a:r>
+                  <a:rPr lang="zh-CN" altLang="en-US" dirty="0" smtClean="0"/>
+                  <a:t> </a:t>
+                </a:r>
+                <a:r>
+                  <a:rPr lang="en-US" altLang="zh-CN" dirty="0"/>
+                  <a:t>is</a:t>
+                </a:r>
+                <a:r>
+                  <a:rPr lang="zh-CN" altLang="en-US" dirty="0"/>
+                  <a:t> </a:t>
+                </a:r>
+                <a:r>
+                  <a:rPr lang="en-US" altLang="zh-CN" dirty="0"/>
+                  <a:t>movable:</a:t>
+                </a:r>
+              </a:p>
+              <a:p>
+                <a:pPr lvl="3"/>
+                <a:r>
+                  <a:rPr lang="en-US" altLang="zh-CN" dirty="0"/>
+                  <a:t>C[j,</a:t>
+                </a:r>
+                <a:r>
+                  <a:rPr lang="zh-CN" altLang="en-US" dirty="0"/>
+                  <a:t> </a:t>
+                </a:r>
+                <a:r>
+                  <a:rPr lang="en-US" altLang="zh-CN" dirty="0"/>
+                  <a:t>j]</a:t>
+                </a:r>
+                <a:r>
+                  <a:rPr lang="zh-CN" altLang="en-US" dirty="0"/>
+                  <a:t> </a:t>
+                </a:r>
+                <a:r>
+                  <a:rPr lang="en-US" altLang="zh-CN" dirty="0"/>
+                  <a:t>+=</a:t>
+                </a:r>
+                <a:r>
+                  <a:rPr lang="zh-CN" altLang="en-US" dirty="0"/>
+                  <a:t> </a:t>
+                </a:r>
+                <a:r>
+                  <a:rPr lang="en-US" altLang="zh-CN" dirty="0" smtClean="0"/>
+                  <a:t>weight</a:t>
+                </a:r>
+                <a:endParaRPr lang="en-US" altLang="zh-CN" dirty="0"/>
+              </a:p>
+              <a:p>
+                <a:pPr lvl="3"/>
+                <a:r>
+                  <a:rPr lang="en-US" altLang="zh-CN" dirty="0"/>
+                  <a:t>d[j]</a:t>
+                </a:r>
+                <a:r>
+                  <a:rPr lang="zh-CN" altLang="en-US" dirty="0"/>
+                  <a:t> </a:t>
+                </a:r>
+                <a:r>
+                  <a:rPr lang="en-US" altLang="zh-CN" dirty="0"/>
+                  <a:t>+=</a:t>
+                </a:r>
+                <a:r>
+                  <a:rPr lang="zh-CN" altLang="en-US" dirty="0"/>
+                  <a:t> </a:t>
+                </a:r>
+                <a:r>
+                  <a:rPr lang="en-US" altLang="zh-CN" dirty="0" smtClean="0"/>
+                  <a:t>weight</a:t>
+                </a:r>
+                <a:r>
+                  <a:rPr lang="zh-CN" altLang="en-US" dirty="0" smtClean="0"/>
+                  <a:t> </a:t>
+                </a:r>
+                <a:r>
+                  <a:rPr lang="zh-CN" altLang="en-US" dirty="0"/>
+                  <a:t>* </a:t>
+                </a:r>
+                <a:r>
+                  <a:rPr lang="en-US" altLang="zh-CN" dirty="0"/>
+                  <a:t>(</a:t>
+                </a:r>
+                <a:r>
+                  <a:rPr lang="en-US" altLang="zh-CN" dirty="0" smtClean="0"/>
+                  <a:t>pin[j]</a:t>
+                </a:r>
+                <a:r>
+                  <a:rPr lang="zh-CN" altLang="en-US" dirty="0" smtClean="0"/>
+                  <a:t> </a:t>
+                </a:r>
+                <a:r>
+                  <a:rPr lang="en-US" altLang="zh-CN" dirty="0" smtClean="0"/>
+                  <a:t>–</a:t>
+                </a:r>
+                <a:r>
+                  <a:rPr lang="zh-CN" altLang="en-US" dirty="0" smtClean="0"/>
+                  <a:t> </a:t>
+                </a:r>
+                <a:r>
+                  <a:rPr lang="en-US" altLang="zh-CN" dirty="0" smtClean="0"/>
+                  <a:t>pin[</a:t>
+                </a:r>
+                <a:r>
+                  <a:rPr lang="en-US" altLang="zh-CN" dirty="0" err="1" smtClean="0"/>
+                  <a:t>i</a:t>
+                </a:r>
+                <a:r>
+                  <a:rPr lang="en-US" altLang="zh-CN" dirty="0" smtClean="0"/>
+                  <a:t>]</a:t>
+                </a:r>
+                <a:r>
+                  <a:rPr lang="zh-CN" altLang="en-US" dirty="0" smtClean="0"/>
+                  <a:t> </a:t>
+                </a:r>
+                <a:r>
+                  <a:rPr lang="en-US" altLang="zh-CN" dirty="0" smtClean="0"/>
+                  <a:t>–</a:t>
+                </a:r>
+                <a:r>
+                  <a:rPr lang="zh-CN" altLang="en-US" dirty="0" smtClean="0"/>
+                  <a:t> </a:t>
+                </a:r>
+                <a:r>
+                  <a:rPr lang="en-US" altLang="zh-CN" dirty="0" smtClean="0"/>
+                  <a:t>module[</a:t>
+                </a:r>
+                <a:r>
+                  <a:rPr lang="en-US" altLang="zh-CN" dirty="0" err="1" smtClean="0"/>
+                  <a:t>i</a:t>
+                </a:r>
+                <a:r>
+                  <a:rPr lang="en-US" altLang="zh-CN" dirty="0" smtClean="0"/>
+                  <a:t>])</a:t>
+                </a:r>
+                <a:endParaRPr lang="en-US" altLang="zh-CN" dirty="0"/>
+              </a:p>
+              <a:p>
+                <a:pPr lvl="2"/>
+                <a:r>
+                  <a:rPr lang="en-US" altLang="zh-CN" dirty="0" smtClean="0"/>
+                  <a:t>else</a:t>
+                </a:r>
+                <a:r>
+                  <a:rPr lang="zh-CN" altLang="en-US" dirty="0" smtClean="0"/>
+                  <a:t> </a:t>
+                </a:r>
+                <a:r>
+                  <a:rPr lang="en-US" altLang="zh-CN" dirty="0" smtClean="0"/>
+                  <a:t>if</a:t>
+                </a:r>
+                <a:r>
+                  <a:rPr lang="zh-CN" altLang="en-US" dirty="0" smtClean="0"/>
+                  <a:t> </a:t>
+                </a:r>
+                <a:r>
+                  <a:rPr lang="en-US" altLang="zh-CN" dirty="0" smtClean="0"/>
+                  <a:t>module[</a:t>
+                </a:r>
+                <a:r>
+                  <a:rPr lang="en-US" altLang="zh-CN" dirty="0" err="1" smtClean="0"/>
+                  <a:t>i</a:t>
+                </a:r>
+                <a:r>
+                  <a:rPr lang="en-US" altLang="zh-CN" dirty="0" smtClean="0"/>
+                  <a:t>]</a:t>
+                </a:r>
+                <a:r>
+                  <a:rPr lang="zh-CN" altLang="en-US" dirty="0" smtClean="0"/>
+                  <a:t> </a:t>
+                </a:r>
+                <a:r>
+                  <a:rPr lang="en-US" altLang="zh-CN" dirty="0" smtClean="0"/>
+                  <a:t>is</a:t>
+                </a:r>
+                <a:r>
+                  <a:rPr lang="zh-CN" altLang="en-US" dirty="0" smtClean="0"/>
+                  <a:t> </a:t>
+                </a:r>
+                <a:r>
+                  <a:rPr lang="en-US" altLang="zh-CN" dirty="0" smtClean="0"/>
+                  <a:t>movable</a:t>
+                </a:r>
+                <a:r>
+                  <a:rPr lang="zh-CN" altLang="en-US" dirty="0" smtClean="0"/>
+                  <a:t> </a:t>
+                </a:r>
+                <a:r>
+                  <a:rPr lang="en-US" altLang="zh-CN" dirty="0" smtClean="0"/>
+                  <a:t>and</a:t>
+                </a:r>
+                <a:r>
+                  <a:rPr lang="zh-CN" altLang="en-US" dirty="0" smtClean="0"/>
+                  <a:t> </a:t>
+                </a:r>
+                <a:r>
+                  <a:rPr lang="en-US" altLang="zh-CN" dirty="0" smtClean="0"/>
+                  <a:t>module[j]</a:t>
+                </a:r>
+                <a:r>
+                  <a:rPr lang="zh-CN" altLang="en-US" dirty="0" smtClean="0"/>
+                  <a:t> </a:t>
+                </a:r>
+                <a:r>
+                  <a:rPr lang="en-US" altLang="zh-CN" dirty="0" smtClean="0"/>
+                  <a:t>is</a:t>
+                </a:r>
+                <a:r>
+                  <a:rPr lang="zh-CN" altLang="en-US" dirty="0" smtClean="0"/>
+                  <a:t> </a:t>
+                </a:r>
+                <a:r>
+                  <a:rPr lang="en-US" altLang="zh-CN" dirty="0" smtClean="0"/>
+                  <a:t>fixed:</a:t>
+                </a:r>
+                <a:r>
+                  <a:rPr lang="zh-CN" altLang="en-US" dirty="0" smtClean="0"/>
+                  <a:t> </a:t>
+                </a:r>
+                <a:endParaRPr lang="en-US" altLang="zh-CN" dirty="0"/>
+              </a:p>
+              <a:p>
+                <a:pPr lvl="3"/>
+                <a:r>
+                  <a:rPr lang="en-US" altLang="zh-CN" dirty="0" smtClean="0"/>
+                  <a:t>same</a:t>
+                </a:r>
+                <a:r>
+                  <a:rPr lang="zh-CN" altLang="en-US" dirty="0" smtClean="0"/>
+                  <a:t> </a:t>
+                </a:r>
+                <a:r>
+                  <a:rPr lang="en-US" altLang="zh-CN" dirty="0" smtClean="0"/>
+                  <a:t>as</a:t>
+                </a:r>
+                <a:r>
+                  <a:rPr lang="zh-CN" altLang="en-US" dirty="0" smtClean="0"/>
+                  <a:t> </a:t>
+                </a:r>
+                <a:r>
+                  <a:rPr lang="en-US" altLang="zh-CN" dirty="0" smtClean="0"/>
+                  <a:t>previous</a:t>
+                </a:r>
+              </a:p>
+              <a:p>
+                <a:pPr lvl="2"/>
+                <a:r>
+                  <a:rPr lang="en-US" altLang="zh-CN" dirty="0" smtClean="0"/>
+                  <a:t>else:</a:t>
+                </a:r>
+                <a:r>
+                  <a:rPr lang="zh-CN" altLang="en-US" dirty="0" smtClean="0"/>
+                  <a:t> </a:t>
+                </a:r>
+                <a:r>
+                  <a:rPr lang="en-US" altLang="zh-CN" dirty="0" smtClean="0"/>
+                  <a:t>continue</a:t>
+                </a:r>
+              </a:p>
+              <a:p>
+                <a:endParaRPr lang="en-US" altLang="zh-CN" dirty="0" smtClean="0">
+                  <a:solidFill>
+                    <a:srgbClr val="C00000"/>
+                  </a:solidFill>
+                </a:endParaRPr>
+              </a:p>
+              <a:p>
+                <a:pPr lvl="1"/>
+                <a:endParaRPr lang="en-US" altLang="zh-CN" dirty="0"/>
+              </a:p>
+            </p:txBody>
+          </p:sp>
+        </mc:Choice>
+        <mc:Fallback>
+          <p:sp>
+            <p:nvSpPr>
+              <p:cNvPr id="3" name="内容占位符 2"/>
+              <p:cNvSpPr>
+                <a:spLocks noGrp="1" noRot="1" noChangeAspect="1" noMove="1" noResize="1" noEditPoints="1" noAdjustHandles="1" noChangeArrowheads="1" noChangeShapeType="1" noTextEdit="1"/>
+              </p:cNvSpPr>
+              <p:nvPr>
+                <p:ph sz="quarter" idx="1"/>
+              </p:nvPr>
+            </p:nvSpPr>
+            <p:spPr>
+              <a:xfrm>
+                <a:off x="457200" y="1600200"/>
+                <a:ext cx="8291264" cy="5257800"/>
+              </a:xfrm>
+              <a:blipFill rotWithShape="0">
+                <a:blip r:embed="rId2"/>
+                <a:stretch>
+                  <a:fillRect l="-294" t="-928"/>
+                </a:stretch>
+              </a:blipFill>
+            </p:spPr>
+            <p:txBody>
+              <a:bodyPr/>
+              <a:lstStyle/>
+              <a:p>
+                <a:r>
+                  <a:rPr lang="zh-CN" altLang="en-US">
+                    <a:noFill/>
+                  </a:rPr>
+                  <a:t> </a:t>
+                </a:r>
+              </a:p>
+            </p:txBody>
+          </p:sp>
+        </mc:Fallback>
+      </mc:AlternateContent>
+    </p:spTree>
+    <p:extLst>
+      <p:ext uri="{BB962C8B-B14F-4D97-AF65-F5344CB8AC3E}">
+        <p14:creationId xmlns:p14="http://schemas.microsoft.com/office/powerpoint/2010/main" val="698768733"/>
+      </p:ext>
+    </p:extLst>
+  </p:cSld>
+  <p:clrMapOvr>
+    <a:masterClrMapping/>
+  </p:clrMapOvr>
+  <p:timing>
+    <p:tnLst>
+      <p:par>
+        <p:cTn id="1" dur="indefinite" restart="never" nodeType="tmRoot"/>
+      </p:par>
+    </p:tnLst>
+  </p:timing>
+</p:sld>
+</file>
+
+<file path=ppt/slides/slide12.xml><?xml version="1.0" encoding="utf-8"?>
 <p:sld xmlns:a="http://schemas.openxmlformats.org/drawingml/2006/main" xmlns:r="http://schemas.openxmlformats.org/officeDocument/2006/relationships" xmlns:p="http://schemas.openxmlformats.org/presentationml/2006/main">
   <p:cSld>
     <p:spTree>
@@ -6307,7 +7749,7 @@
 </p:sld>
 </file>
 
-<file path=ppt/slides/slide12.xml><?xml version="1.0" encoding="utf-8"?>
+<file path=ppt/slides/slide13.xml><?xml version="1.0" encoding="utf-8"?>
 <p:sld xmlns:a="http://schemas.openxmlformats.org/drawingml/2006/main" xmlns:r="http://schemas.openxmlformats.org/officeDocument/2006/relationships" xmlns:p="http://schemas.openxmlformats.org/presentationml/2006/main">
   <p:cSld>
     <p:spTree>
@@ -6756,7 +8198,7 @@
 </p:sld>
 </file>
 
-<file path=ppt/slides/slide13.xml><?xml version="1.0" encoding="utf-8"?>
+<file path=ppt/slides/slide14.xml><?xml version="1.0" encoding="utf-8"?>
 <p:sld xmlns:a="http://schemas.openxmlformats.org/drawingml/2006/main" xmlns:r="http://schemas.openxmlformats.org/officeDocument/2006/relationships" xmlns:p="http://schemas.openxmlformats.org/presentationml/2006/main">
   <p:cSld>
     <p:spTree>
@@ -7056,7 +8498,7 @@
 </p:sld>
 </file>
 
-<file path=ppt/slides/slide14.xml><?xml version="1.0" encoding="utf-8"?>
+<file path=ppt/slides/slide15.xml><?xml version="1.0" encoding="utf-8"?>
 <p:sld xmlns:a="http://schemas.openxmlformats.org/drawingml/2006/main" xmlns:r="http://schemas.openxmlformats.org/officeDocument/2006/relationships" xmlns:p="http://schemas.openxmlformats.org/presentationml/2006/main">
   <p:cSld>
     <p:spTree>
@@ -7383,7 +8825,7 @@
 </p:sld>
 </file>
 
-<file path=ppt/slides/slide15.xml><?xml version="1.0" encoding="utf-8"?>
+<file path=ppt/slides/slide16.xml><?xml version="1.0" encoding="utf-8"?>
 <p:sld xmlns:a="http://schemas.openxmlformats.org/drawingml/2006/main" xmlns:r="http://schemas.openxmlformats.org/officeDocument/2006/relationships" xmlns:p="http://schemas.openxmlformats.org/presentationml/2006/main">
   <p:cSld>
     <p:spTree>
@@ -7994,7 +9436,7 @@
             <p:nvPr/>
           </p:nvPicPr>
           <p:blipFill>
-            <a:blip r:embed="rId3">
+            <a:blip r:embed="rId2">
               <a:extLst>
                 <a:ext uri="{28A0092B-C50C-407E-A947-70E740481C1C}">
                   <a14:useLocalDpi xmlns:a14="http://schemas.microsoft.com/office/drawing/2010/main" val="0"/>
@@ -8079,7 +9521,7 @@
           <p:nvPr/>
         </p:nvPicPr>
         <p:blipFill>
-          <a:blip r:embed="rId4">
+          <a:blip r:embed="rId2">
             <a:extLst>
               <a:ext uri="{28A0092B-C50C-407E-A947-70E740481C1C}">
                 <a14:useLocalDpi xmlns:a14="http://schemas.microsoft.com/office/drawing/2010/main" val="0"/>
@@ -8113,7 +9555,7 @@
 </p:sld>
 </file>
 
-<file path=ppt/slides/slide16.xml><?xml version="1.0" encoding="utf-8"?>
+<file path=ppt/slides/slide17.xml><?xml version="1.0" encoding="utf-8"?>
 <p:sld xmlns:a="http://schemas.openxmlformats.org/drawingml/2006/main" xmlns:r="http://schemas.openxmlformats.org/officeDocument/2006/relationships" xmlns:p="http://schemas.openxmlformats.org/presentationml/2006/main">
   <p:cSld>
     <p:spTree>
@@ -8987,7 +10429,7 @@
           <p:nvPr/>
         </p:nvPicPr>
         <p:blipFill>
-          <a:blip r:embed="rId3"/>
+          <a:blip r:embed="rId2"/>
           <a:stretch>
             <a:fillRect/>
           </a:stretch>
